--- a/Omkar_resume.pptx
+++ b/Omkar_resume.pptx
@@ -249,7 +249,7 @@
             <a:fld id="{86C988DC-9DE3-4390-97AB-D61B85DACE57}" type="datetimeFigureOut">
               <a:rPr lang="pt-PT" sz="900" smtClean="0"/>
               <a:pPr/>
-              <a:t>08/08/2022</a:t>
+              <a:t>18/10/2022</a:t>
             </a:fld>
             <a:endParaRPr lang="pt-PT" sz="900"/>
           </a:p>
@@ -428,7 +428,7 @@
             <a:fld id="{0835B8F7-DAC4-4931-8AED-4356A8B2FD64}" type="datetimeFigureOut">
               <a:rPr lang="pt-BR" smtClean="0"/>
               <a:pPr/>
-              <a:t>08/08/2022</a:t>
+              <a:t>18/10/2022</a:t>
             </a:fld>
             <a:endParaRPr lang="pt-BR"/>
           </a:p>
@@ -828,7 +828,7 @@
           <a:graphicData uri="http://schemas.openxmlformats.org/presentationml/2006/ole">
             <mc:AlternateContent xmlns:mc="http://schemas.openxmlformats.org/markup-compatibility/2006">
               <mc:Choice xmlns:v="urn:schemas-microsoft-com:vml" Requires="v">
-                <p:oleObj spid="_x0000_s2062" name="think-cell Slide" r:id="rId6" imgW="360" imgH="360" progId="">
+                <p:oleObj spid="_x0000_s2064" name="think-cell Slide" r:id="rId6" imgW="360" imgH="360" progId="">
                   <p:embed/>
                 </p:oleObj>
               </mc:Choice>
@@ -2263,7 +2263,7 @@
           <a:graphicData uri="http://schemas.openxmlformats.org/presentationml/2006/ole">
             <mc:AlternateContent xmlns:mc="http://schemas.openxmlformats.org/markup-compatibility/2006">
               <mc:Choice xmlns:v="urn:schemas-microsoft-com:vml" Requires="v">
-                <p:oleObj spid="_x0000_s8206" name="think-cell Slide" r:id="rId4" imgW="270" imgH="270" progId="TCLayout.ActiveDocument.1">
+                <p:oleObj spid="_x0000_s8208" name="think-cell Slide" r:id="rId4" imgW="270" imgH="270" progId="TCLayout.ActiveDocument.1">
                   <p:embed/>
                 </p:oleObj>
               </mc:Choice>
@@ -2737,7 +2737,7 @@
           <a:graphicData uri="http://schemas.openxmlformats.org/presentationml/2006/ole">
             <mc:AlternateContent xmlns:mc="http://schemas.openxmlformats.org/markup-compatibility/2006">
               <mc:Choice xmlns:v="urn:schemas-microsoft-com:vml" Requires="v">
-                <p:oleObj spid="_x0000_s9230" name="think-cell Slide" r:id="rId4" imgW="270" imgH="270" progId="TCLayout.ActiveDocument.1">
+                <p:oleObj spid="_x0000_s9232" name="think-cell Slide" r:id="rId4" imgW="270" imgH="270" progId="TCLayout.ActiveDocument.1">
                   <p:embed/>
                 </p:oleObj>
               </mc:Choice>
@@ -2864,7 +2864,7 @@
           <a:graphicData uri="http://schemas.openxmlformats.org/presentationml/2006/ole">
             <mc:AlternateContent xmlns:mc="http://schemas.openxmlformats.org/markup-compatibility/2006">
               <mc:Choice xmlns:v="urn:schemas-microsoft-com:vml" Requires="v">
-                <p:oleObj spid="_x0000_s10254" name="think-cell Slide" r:id="rId4" imgW="270" imgH="270" progId="TCLayout.ActiveDocument.1">
+                <p:oleObj spid="_x0000_s10256" name="think-cell Slide" r:id="rId4" imgW="270" imgH="270" progId="TCLayout.ActiveDocument.1">
                   <p:embed/>
                 </p:oleObj>
               </mc:Choice>
@@ -4189,7 +4189,7 @@
           <a:blip r:embed="rId2" cstate="print">
             <a:extLst>
               <a:ext uri="{96DAC541-7B7A-43D3-8B79-37D633B846F1}">
-                <asvg:svgBlip xmlns:asvg="http://schemas.microsoft.com/office/drawing/2016/SVG/main" xmlns="" r:embed="rId3"/>
+                <asvg:svgBlip xmlns:asvg="http://schemas.microsoft.com/office/drawing/2016/SVG/main" r:embed="rId3"/>
               </a:ext>
             </a:extLst>
           </a:blip>
@@ -4398,7 +4398,7 @@
           <a:graphicData uri="http://schemas.openxmlformats.org/presentationml/2006/ole">
             <mc:AlternateContent xmlns:mc="http://schemas.openxmlformats.org/markup-compatibility/2006">
               <mc:Choice xmlns:v="urn:schemas-microsoft-com:vml" Requires="v">
-                <p:oleObj spid="_x0000_s3086" name="think-cell Slide" r:id="rId7" imgW="360" imgH="360" progId="">
+                <p:oleObj spid="_x0000_s3088" name="think-cell Slide" r:id="rId7" imgW="360" imgH="360" progId="">
                   <p:embed/>
                 </p:oleObj>
               </mc:Choice>
@@ -5297,7 +5297,7 @@
           <a:graphicData uri="http://schemas.openxmlformats.org/presentationml/2006/ole">
             <mc:AlternateContent xmlns:mc="http://schemas.openxmlformats.org/markup-compatibility/2006">
               <mc:Choice xmlns:v="urn:schemas-microsoft-com:vml" Requires="v">
-                <p:oleObj spid="_x0000_s12302" name="think-cell Slide" r:id="rId4" imgW="270" imgH="270" progId="TCLayout.ActiveDocument.1">
+                <p:oleObj spid="_x0000_s12304" name="think-cell Slide" r:id="rId4" imgW="270" imgH="270" progId="TCLayout.ActiveDocument.1">
                   <p:embed/>
                 </p:oleObj>
               </mc:Choice>
@@ -5771,7 +5771,7 @@
           <a:graphicData uri="http://schemas.openxmlformats.org/presentationml/2006/ole">
             <mc:AlternateContent xmlns:mc="http://schemas.openxmlformats.org/markup-compatibility/2006">
               <mc:Choice xmlns:v="urn:schemas-microsoft-com:vml" Requires="v">
-                <p:oleObj spid="_x0000_s13326" name="think-cell Slide" r:id="rId4" imgW="270" imgH="270" progId="TCLayout.ActiveDocument.1">
+                <p:oleObj spid="_x0000_s13328" name="think-cell Slide" r:id="rId4" imgW="270" imgH="270" progId="TCLayout.ActiveDocument.1">
                   <p:embed/>
                 </p:oleObj>
               </mc:Choice>
@@ -7686,7 +7686,7 @@
           <a:graphicData uri="http://schemas.openxmlformats.org/presentationml/2006/ole">
             <mc:AlternateContent xmlns:mc="http://schemas.openxmlformats.org/markup-compatibility/2006">
               <mc:Choice xmlns:v="urn:schemas-microsoft-com:vml" Requires="v">
-                <p:oleObj spid="_x0000_s14350" name="think-cell Slide" r:id="rId4" imgW="270" imgH="270" progId="TCLayout.ActiveDocument.1">
+                <p:oleObj spid="_x0000_s14352" name="think-cell Slide" r:id="rId4" imgW="270" imgH="270" progId="TCLayout.ActiveDocument.1">
                   <p:embed/>
                 </p:oleObj>
               </mc:Choice>
@@ -11237,7 +11237,7 @@
           <a:graphicData uri="http://schemas.openxmlformats.org/presentationml/2006/ole">
             <mc:AlternateContent xmlns:mc="http://schemas.openxmlformats.org/markup-compatibility/2006">
               <mc:Choice xmlns:v="urn:schemas-microsoft-com:vml" Requires="v">
-                <p:oleObj spid="_x0000_s4110" name="think-cell Slide" r:id="rId7" imgW="360" imgH="360" progId="">
+                <p:oleObj spid="_x0000_s4112" name="think-cell Slide" r:id="rId7" imgW="360" imgH="360" progId="">
                   <p:embed/>
                 </p:oleObj>
               </mc:Choice>
@@ -11483,7 +11483,7 @@
           <a:graphicData uri="http://schemas.openxmlformats.org/presentationml/2006/ole">
             <mc:AlternateContent xmlns:mc="http://schemas.openxmlformats.org/markup-compatibility/2006">
               <mc:Choice xmlns:v="urn:schemas-microsoft-com:vml" Requires="v">
-                <p:oleObj spid="_x0000_s5134" name="think-cell Slide" r:id="rId9" imgW="360" imgH="360" progId="">
+                <p:oleObj spid="_x0000_s5136" name="think-cell Slide" r:id="rId9" imgW="360" imgH="360" progId="">
                   <p:embed/>
                 </p:oleObj>
               </mc:Choice>
@@ -12674,7 +12674,7 @@
           <a:graphicData uri="http://schemas.openxmlformats.org/presentationml/2006/ole">
             <mc:AlternateContent xmlns:mc="http://schemas.openxmlformats.org/markup-compatibility/2006">
               <mc:Choice xmlns:v="urn:schemas-microsoft-com:vml" Requires="v">
-                <p:oleObj spid="_x0000_s6158" name="think-cell Slide" r:id="rId5" imgW="360" imgH="360" progId="">
+                <p:oleObj spid="_x0000_s6160" name="think-cell Slide" r:id="rId5" imgW="360" imgH="360" progId="">
                   <p:embed/>
                 </p:oleObj>
               </mc:Choice>
@@ -12808,7 +12808,7 @@
           <a:graphicData uri="http://schemas.openxmlformats.org/presentationml/2006/ole">
             <mc:AlternateContent xmlns:mc="http://schemas.openxmlformats.org/markup-compatibility/2006">
               <mc:Choice xmlns:v="urn:schemas-microsoft-com:vml" Requires="v">
-                <p:oleObj spid="_x0000_s7182" name="think-cell Slide" r:id="rId4" imgW="360" imgH="360" progId="">
+                <p:oleObj spid="_x0000_s7184" name="think-cell Slide" r:id="rId4" imgW="360" imgH="360" progId="">
                   <p:embed/>
                 </p:oleObj>
               </mc:Choice>
@@ -13002,7 +13002,7 @@
             <a:fld id="{425404F2-BE9A-4460-8815-8F645183555F}" type="datetimeFigureOut">
               <a:rPr lang="en-US" smtClean="0"/>
               <a:pPr/>
-              <a:t>8/8/2022</a:t>
+              <a:t>10/18/2022</a:t>
             </a:fld>
             <a:endParaRPr lang="en-US"/>
           </a:p>
@@ -13217,7 +13217,7 @@
           <a:graphicData uri="http://schemas.openxmlformats.org/presentationml/2006/ole">
             <mc:AlternateContent xmlns:mc="http://schemas.openxmlformats.org/markup-compatibility/2006">
               <mc:Choice xmlns:v="urn:schemas-microsoft-com:vml" Requires="v">
-                <p:oleObj spid="_x0000_s1038" name="think-cell Slide" r:id="rId25" imgW="360" imgH="360" progId="">
+                <p:oleObj spid="_x0000_s1040" name="think-cell Slide" r:id="rId25" imgW="360" imgH="360" progId="">
                   <p:embed/>
                 </p:oleObj>
               </mc:Choice>
@@ -15954,7 +15954,7 @@
           <a:graphicData uri="http://schemas.openxmlformats.org/presentationml/2006/ole">
             <mc:AlternateContent xmlns:mc="http://schemas.openxmlformats.org/markup-compatibility/2006">
               <mc:Choice xmlns:v="urn:schemas-microsoft-com:vml" Requires="v">
-                <p:oleObj spid="_x0000_s11278" name="think-cell Slide" r:id="rId14" imgW="270" imgH="270" progId="TCLayout.ActiveDocument.1">
+                <p:oleObj spid="_x0000_s11280" name="think-cell Slide" r:id="rId14" imgW="270" imgH="270" progId="TCLayout.ActiveDocument.1">
                   <p:embed/>
                 </p:oleObj>
               </mc:Choice>
@@ -17275,14 +17275,14 @@
           <p:nvPr>
             <p:extLst>
               <p:ext uri="{D42A27DB-BD31-4B8C-83A1-F6EECF244321}">
-                <p14:modId xmlns:p14="http://schemas.microsoft.com/office/powerpoint/2010/main" val="2497818987"/>
+                <p14:modId xmlns:p14="http://schemas.microsoft.com/office/powerpoint/2010/main" val="187578447"/>
               </p:ext>
             </p:extLst>
           </p:nvPr>
         </p:nvGraphicFramePr>
         <p:xfrm>
           <a:off x="9229514" y="1142998"/>
-          <a:ext cx="3038686" cy="5986871"/>
+          <a:ext cx="3038686" cy="6298603"/>
         </p:xfrm>
         <a:graphic>
           <a:graphicData uri="http://schemas.openxmlformats.org/drawingml/2006/table">
@@ -17306,14 +17306,14 @@
                   </a:extLst>
                 </a:gridCol>
               </a:tblGrid>
-              <a:tr h="544162">
+              <a:tr h="533402">
                 <a:tc>
                   <a:txBody>
                     <a:bodyPr/>
                     <a:lstStyle/>
                     <a:p>
                       <a:r>
-                        <a:rPr kumimoji="0" lang="en-US" sz="800" b="0" u="none" strike="noStrike" kern="1200" cap="none" spc="0" normalizeH="0" baseline="0" noProof="0" dirty="0" smtClean="0">
+                        <a:rPr kumimoji="0" lang="en-US" sz="800" b="0" u="none" strike="noStrike" kern="1200" cap="none" spc="0" normalizeH="0" baseline="0" noProof="0" dirty="0">
                           <a:ln>
                             <a:noFill/>
                           </a:ln>
@@ -17324,7 +17324,7 @@
                         <a:t>Core Java</a:t>
                       </a:r>
                       <a:r>
-                        <a:rPr kumimoji="0" lang="en-US" sz="800" b="0" u="none" strike="noStrike" kern="1200" cap="none" spc="0" normalizeH="0" baseline="0" dirty="0" smtClean="0">
+                        <a:rPr kumimoji="0" lang="en-US" sz="800" b="0" u="none" strike="noStrike" kern="1200" cap="none" spc="0" normalizeH="0" baseline="0" dirty="0">
                           <a:ln>
                             <a:noFill/>
                           </a:ln>
@@ -17375,7 +17375,7 @@
                         <a:defRPr/>
                       </a:pPr>
                       <a:r>
-                        <a:rPr kumimoji="0" lang="en-US" sz="700" b="0" u="none" strike="noStrike" kern="1200" cap="none" spc="0" normalizeH="0" baseline="0" noProof="0" dirty="0">
+                        <a:rPr kumimoji="0" lang="en-US" sz="800" b="0" u="none" strike="noStrike" kern="1200" cap="none" spc="0" normalizeH="0" baseline="0" noProof="0" dirty="0">
                           <a:ln>
                             <a:noFill/>
                           </a:ln>
@@ -17383,34 +17383,12 @@
                           <a:uLnTx/>
                           <a:uFillTx/>
                         </a:rPr>
-                        <a:t>Java Basics, OOPS</a:t>
-                      </a:r>
-                      <a:r>
-                        <a:rPr kumimoji="0" lang="en-US" sz="700" b="0" u="none" strike="noStrike" kern="1200" cap="none" spc="0" normalizeH="0" baseline="0" noProof="0" dirty="0" smtClean="0">
-                          <a:ln>
-                            <a:noFill/>
-                          </a:ln>
-                          <a:effectLst/>
-                          <a:uLnTx/>
-                          <a:uFillTx/>
-                        </a:rPr>
-                        <a:t>, </a:t>
-                      </a:r>
-                      <a:r>
-                        <a:rPr kumimoji="0" lang="en-US" sz="700" b="0" u="none" strike="noStrike" kern="1200" cap="none" spc="0" normalizeH="0" baseline="0" noProof="0" dirty="0">
-                          <a:ln>
-                            <a:noFill/>
-                          </a:ln>
-                          <a:effectLst/>
-                          <a:uLnTx/>
-                          <a:uFillTx/>
-                        </a:rPr>
-                        <a:t>Collections, Arrays, Loops, Lambda Exp, Stream API</a:t>
+                        <a:t>Java Basics, OOPS, Collections, Arrays, Loops, Lambda Exp, Stream API</a:t>
                       </a:r>
                     </a:p>
                     <a:p>
                       <a:r>
-                        <a:rPr kumimoji="0" lang="en-US" sz="700" b="0" u="none" strike="noStrike" kern="1200" cap="none" spc="0" normalizeH="0" baseline="0" dirty="0" smtClean="0">
+                        <a:rPr kumimoji="0" lang="en-US" sz="800" b="0" u="none" strike="noStrike" kern="1200" cap="none" spc="0" normalizeH="0" baseline="0" dirty="0">
                           <a:ln>
                             <a:noFill/>
                           </a:ln>
@@ -17420,7 +17398,7 @@
                         </a:rPr>
                         <a:t>Junit.</a:t>
                       </a:r>
-                      <a:endParaRPr kumimoji="0" lang="en-US" sz="700" b="0" i="0" u="none" strike="noStrike" kern="1200" cap="none" spc="0" normalizeH="0" baseline="0" dirty="0">
+                      <a:endParaRPr kumimoji="0" lang="en-US" sz="800" b="0" i="0" u="none" strike="noStrike" kern="1200" cap="none" spc="0" normalizeH="0" baseline="0" dirty="0">
                         <a:ln>
                           <a:noFill/>
                         </a:ln>
@@ -17502,7 +17480,7 @@
                     <a:lstStyle/>
                     <a:p>
                       <a:r>
-                        <a:rPr kumimoji="0" lang="en-US" sz="700" u="none" strike="noStrike" kern="1200" cap="none" spc="0" normalizeH="0" baseline="0" dirty="0">
+                        <a:rPr kumimoji="0" lang="en-US" sz="800" u="none" strike="noStrike" kern="1200" cap="none" spc="0" normalizeH="0" baseline="0" dirty="0">
                           <a:ln>
                             <a:noFill/>
                           </a:ln>
@@ -17512,7 +17490,7 @@
                         </a:rPr>
                         <a:t>IOC &amp; Dependency Injection, Autowire</a:t>
                       </a:r>
-                      <a:endParaRPr kumimoji="0" lang="en-US" sz="700" b="0" i="0" u="none" strike="noStrike" kern="1200" cap="none" spc="0" normalizeH="0" baseline="0" dirty="0">
+                      <a:endParaRPr kumimoji="0" lang="en-US" sz="800" b="0" i="0" u="none" strike="noStrike" kern="1200" cap="none" spc="0" normalizeH="0" baseline="0" dirty="0">
                         <a:ln>
                           <a:noFill/>
                         </a:ln>
@@ -17614,9 +17592,13 @@
                       </a:pPr>
                       <a:r>
                         <a:rPr lang="en-US" sz="700" dirty="0"/>
-                        <a:t>REST controllers, Implementation of GET, POST, PUT &amp; DELETE, Bean Validation &amp; Exception Handling, Testing Services, Controller &amp; Repository layer</a:t>
+                        <a:t>R</a:t>
                       </a:r>
-                      <a:endParaRPr lang="en-US" sz="700" dirty="0">
+                      <a:r>
+                        <a:rPr lang="en-US" sz="800" dirty="0"/>
+                        <a:t>EST controllers, Implementation of GET, POST, PUT &amp; DELETE, Bean Validation &amp; Exception Handling, Testing Services, Controller &amp; Repository layer</a:t>
+                      </a:r>
+                      <a:endParaRPr lang="en-US" sz="800" dirty="0">
                         <a:solidFill>
                           <a:schemeClr val="tx1"/>
                         </a:solidFill>
@@ -17689,14 +17671,10 @@
                         <a:defRPr/>
                       </a:pPr>
                       <a:r>
-                        <a:rPr lang="en-US" sz="700" dirty="0"/>
-                        <a:t>Implement DAO layer using spring Data </a:t>
+                        <a:rPr lang="en-US" sz="800" dirty="0"/>
+                        <a:t>Implement DAO layer using spring Data repositories.</a:t>
                       </a:r>
-                      <a:r>
-                        <a:rPr lang="en-US" sz="700" dirty="0" smtClean="0"/>
-                        <a:t>repositories.</a:t>
-                      </a:r>
-                      <a:endParaRPr lang="en-US" sz="700" dirty="0">
+                      <a:endParaRPr lang="en-US" sz="800" dirty="0">
                         <a:solidFill>
                           <a:schemeClr val="tx1"/>
                         </a:solidFill>
@@ -17718,7 +17696,7 @@
                     <a:lstStyle/>
                     <a:p>
                       <a:r>
-                        <a:rPr kumimoji="0" lang="en-US" sz="800" u="none" strike="noStrike" kern="1200" cap="none" spc="0" normalizeH="0" baseline="0" dirty="0" smtClean="0">
+                        <a:rPr kumimoji="0" lang="en-US" sz="800" u="none" strike="noStrike" kern="1200" cap="none" spc="0" normalizeH="0" baseline="0" dirty="0">
                           <a:ln>
                             <a:noFill/>
                           </a:ln>
@@ -17752,7 +17730,7 @@
                     <a:lstStyle/>
                     <a:p>
                       <a:r>
-                        <a:rPr kumimoji="0" lang="en-US" sz="700" u="none" strike="noStrike" kern="1200" cap="none" spc="0" normalizeH="0" baseline="0" dirty="0" smtClean="0">
+                        <a:rPr kumimoji="0" lang="en-US" sz="800" u="none" strike="noStrike" kern="1200" cap="none" spc="0" normalizeH="0" baseline="0" dirty="0">
                           <a:ln>
                             <a:noFill/>
                           </a:ln>
@@ -17762,7 +17740,7 @@
                         </a:rPr>
                         <a:t>Spring Boot Starters, annotations, Messaging Service,  Swagger API documents</a:t>
                       </a:r>
-                      <a:endParaRPr kumimoji="0" lang="en-US" sz="700" b="0" i="0" u="none" strike="noStrike" kern="1200" cap="none" spc="0" normalizeH="0" baseline="0" dirty="0">
+                      <a:endParaRPr kumimoji="0" lang="en-US" sz="800" b="0" i="0" u="none" strike="noStrike" kern="1200" cap="none" spc="0" normalizeH="0" baseline="0" dirty="0">
                         <a:ln>
                           <a:noFill/>
                         </a:ln>
@@ -17810,7 +17788,7 @@
                         <a:defRPr/>
                       </a:pPr>
                       <a:r>
-                        <a:rPr kumimoji="0" lang="en-US" sz="800" b="0" i="0" u="none" strike="noStrike" kern="1200" cap="none" spc="0" normalizeH="0" baseline="0" noProof="0" smtClean="0">
+                        <a:rPr kumimoji="0" lang="en-US" sz="800" b="0" i="0" u="none" strike="noStrike" kern="1200" cap="none" spc="0" normalizeH="0" baseline="0" noProof="0" dirty="0">
                           <a:ln>
                             <a:noFill/>
                           </a:ln>
@@ -17824,8 +17802,27 @@
                           <a:ea typeface="+mn-ea"/>
                           <a:cs typeface="+mn-cs"/>
                         </a:rPr>
-                        <a:t>Spring Cloud</a:t>
+                        <a:t>Spring Cloud </a:t>
                       </a:r>
+                    </a:p>
+                    <a:p>
+                      <a:pPr marL="0" marR="0" lvl="0" indent="0" algn="l" defTabSz="914400" rtl="0" eaLnBrk="1" fontAlgn="auto" latinLnBrk="0" hangingPunct="1">
+                        <a:lnSpc>
+                          <a:spcPct val="100000"/>
+                        </a:lnSpc>
+                        <a:spcBef>
+                          <a:spcPts val="0"/>
+                        </a:spcBef>
+                        <a:spcAft>
+                          <a:spcPts val="0"/>
+                        </a:spcAft>
+                        <a:buClrTx/>
+                        <a:buSzTx/>
+                        <a:buFontTx/>
+                        <a:buNone/>
+                        <a:tabLst/>
+                        <a:defRPr/>
+                      </a:pPr>
                       <a:endParaRPr kumimoji="0" lang="en-US" sz="800" b="0" i="0" u="none" strike="noStrike" kern="1200" cap="none" spc="0" normalizeH="0" baseline="0" noProof="0" dirty="0">
                         <a:ln>
                           <a:noFill/>
@@ -17840,6 +17837,42 @@
                         <a:ea typeface="+mn-ea"/>
                         <a:cs typeface="+mn-cs"/>
                       </a:endParaRPr>
+                    </a:p>
+                    <a:p>
+                      <a:pPr marL="0" marR="0" lvl="0" indent="0" algn="l" defTabSz="914400" rtl="0" eaLnBrk="1" fontAlgn="auto" latinLnBrk="0" hangingPunct="1">
+                        <a:lnSpc>
+                          <a:spcPct val="100000"/>
+                        </a:lnSpc>
+                        <a:spcBef>
+                          <a:spcPts val="0"/>
+                        </a:spcBef>
+                        <a:spcAft>
+                          <a:spcPts val="0"/>
+                        </a:spcAft>
+                        <a:buClrTx/>
+                        <a:buSzTx/>
+                        <a:buFontTx/>
+                        <a:buNone/>
+                        <a:tabLst/>
+                        <a:defRPr/>
+                      </a:pPr>
+                      <a:r>
+                        <a:rPr kumimoji="0" lang="en-US" sz="800" b="0" i="0" u="none" strike="noStrike" kern="1200" cap="none" spc="0" normalizeH="0" baseline="0" noProof="0" dirty="0">
+                          <a:ln>
+                            <a:noFill/>
+                          </a:ln>
+                          <a:solidFill>
+                            <a:prstClr val="black"/>
+                          </a:solidFill>
+                          <a:effectLst/>
+                          <a:uLnTx/>
+                          <a:uFillTx/>
+                          <a:latin typeface="Verdana" panose="020B0604030504040204" pitchFamily="34" charset="0"/>
+                          <a:ea typeface="+mn-ea"/>
+                          <a:cs typeface="+mn-cs"/>
+                        </a:rPr>
+                        <a:t>AWS Cloud</a:t>
+                      </a:r>
                     </a:p>
                   </a:txBody>
                   <a:tcPr/>
@@ -17867,7 +17900,7 @@
                         <a:defRPr/>
                       </a:pPr>
                       <a:r>
-                        <a:rPr kumimoji="0" lang="en-US" sz="800" u="none" strike="noStrike" kern="1200" cap="none" spc="0" normalizeH="0" baseline="0" dirty="0" smtClean="0">
+                        <a:rPr kumimoji="0" lang="en-US" sz="800" u="none" strike="noStrike" kern="1200" cap="none" spc="0" normalizeH="0" baseline="0" dirty="0">
                           <a:ln>
                             <a:noFill/>
                           </a:ln>
@@ -17902,20 +17935,56 @@
                         <a:tabLst/>
                         <a:defRPr/>
                       </a:pPr>
-                      <a:endParaRPr kumimoji="0" lang="en-US" sz="800" b="0" i="0" u="none" strike="noStrike" kern="1200" cap="none" spc="0" normalizeH="0" baseline="0" noProof="0" dirty="0">
+                      <a:endParaRPr kumimoji="0" lang="en-US" sz="800" u="none" strike="noStrike" kern="1200" cap="none" spc="0" normalizeH="0" baseline="0" dirty="0">
                         <a:ln>
                           <a:noFill/>
                         </a:ln>
                         <a:solidFill>
-                          <a:prstClr val="black"/>
+                          <a:schemeClr val="tx1"/>
                         </a:solidFill>
                         <a:effectLst/>
                         <a:uLnTx/>
                         <a:uFillTx/>
-                        <a:latin typeface="Verdana" panose="020B0604030504040204" pitchFamily="34" charset="0"/>
+                        <a:latin typeface="+mn-lt"/>
                         <a:ea typeface="+mn-ea"/>
                         <a:cs typeface="+mn-cs"/>
                       </a:endParaRPr>
+                    </a:p>
+                    <a:p>
+                      <a:pPr marL="0" marR="0" lvl="0" indent="0" algn="l" defTabSz="914400" rtl="0" eaLnBrk="1" fontAlgn="auto" latinLnBrk="0" hangingPunct="1">
+                        <a:lnSpc>
+                          <a:spcPct val="100000"/>
+                        </a:lnSpc>
+                        <a:spcBef>
+                          <a:spcPts val="0"/>
+                        </a:spcBef>
+                        <a:spcAft>
+                          <a:spcPts val="0"/>
+                        </a:spcAft>
+                        <a:buClrTx/>
+                        <a:buSzTx/>
+                        <a:buFontTx/>
+                        <a:buNone/>
+                        <a:tabLst/>
+                        <a:defRPr/>
+                      </a:pPr>
+                      <a:r>
+                        <a:rPr kumimoji="0" lang="en-US" sz="800" b="0" i="0" u="none" strike="noStrike" kern="1200" cap="none" spc="0" normalizeH="0" baseline="0" noProof="0" dirty="0">
+                          <a:ln>
+                            <a:noFill/>
+                          </a:ln>
+                          <a:solidFill>
+                            <a:prstClr val="black"/>
+                          </a:solidFill>
+                          <a:effectLst/>
+                          <a:uLnTx/>
+                          <a:uFillTx/>
+                          <a:latin typeface="Verdana" panose="020B0604030504040204" pitchFamily="34" charset="0"/>
+                          <a:ea typeface="+mn-ea"/>
+                          <a:cs typeface="+mn-cs"/>
+                        </a:rPr>
+                        <a:t>EC2 Instances, Elastic Load Balancer,Auto-Scaling,Global Infrastructure, Storage &amp; Database,Security,Pricing</a:t>
+                      </a:r>
                     </a:p>
                   </a:txBody>
                   <a:tcPr/>
@@ -17963,7 +18032,7 @@
                         <a:buNone/>
                       </a:pPr>
                       <a:r>
-                        <a:rPr kumimoji="0" lang="en-US" sz="700" u="none" strike="noStrike" kern="1200" cap="none" spc="0" normalizeH="0" baseline="0" dirty="0">
+                        <a:rPr kumimoji="0" lang="en-US" sz="800" u="none" strike="noStrike" kern="1200" cap="none" spc="0" normalizeH="0" baseline="0" dirty="0">
                           <a:ln>
                             <a:noFill/>
                           </a:ln>
@@ -17977,26 +18046,9 @@
                           <a:ea typeface="+mn-ea"/>
                           <a:cs typeface="+mn-cs"/>
                         </a:rPr>
-                        <a:t>Components, Hooks, Event handling, Redux, Reducers, Testing using </a:t>
+                        <a:t>Components, Hooks, Event handling, Redux, Reducers, Testing using JEST.</a:t>
                       </a:r>
-                      <a:r>
-                        <a:rPr kumimoji="0" lang="en-US" sz="700" u="none" strike="noStrike" kern="1200" cap="none" spc="0" normalizeH="0" baseline="0" dirty="0" smtClean="0">
-                          <a:ln>
-                            <a:noFill/>
-                          </a:ln>
-                          <a:solidFill>
-                            <a:schemeClr val="tx1"/>
-                          </a:solidFill>
-                          <a:effectLst/>
-                          <a:uLnTx/>
-                          <a:uFillTx/>
-                          <a:latin typeface="+mn-lt"/>
-                          <a:ea typeface="+mn-ea"/>
-                          <a:cs typeface="+mn-cs"/>
-                        </a:rPr>
-                        <a:t>JEST.</a:t>
-                      </a:r>
-                      <a:endParaRPr kumimoji="0" lang="en-US" sz="700" b="0" i="0" u="none" strike="noStrike" kern="1200" cap="none" spc="0" normalizeH="0" baseline="0" dirty="0">
+                      <a:endParaRPr kumimoji="0" lang="en-US" sz="800" b="0" i="0" u="none" strike="noStrike" kern="1200" cap="none" spc="0" normalizeH="0" baseline="0" dirty="0">
                         <a:ln>
                           <a:noFill/>
                         </a:ln>
@@ -18053,7 +18105,7 @@
                     <a:lstStyle/>
                     <a:p>
                       <a:r>
-                        <a:rPr kumimoji="0" lang="en-US" sz="700" b="0" i="0" u="none" strike="noStrike" kern="1200" cap="none" spc="0" normalizeH="0" baseline="0" dirty="0">
+                        <a:rPr kumimoji="0" lang="en-US" sz="800" b="0" i="0" u="none" strike="noStrike" kern="1200" cap="none" spc="0" normalizeH="0" baseline="0" dirty="0">
                           <a:ln>
                             <a:noFill/>
                           </a:ln>
@@ -18067,27 +18119,10 @@
                           <a:ea typeface="+mn-ea"/>
                           <a:cs typeface="+mn-cs"/>
                         </a:rPr>
-                        <a:t>MongoDB </a:t>
+                        <a:t>MongoDB Atlas No SQL ,Oracle SQL , </a:t>
                       </a:r>
                       <a:r>
-                        <a:rPr kumimoji="0" lang="en-US" sz="700" b="0" i="0" u="none" strike="noStrike" kern="1200" cap="none" spc="0" normalizeH="0" baseline="0" dirty="0" smtClean="0">
-                          <a:ln>
-                            <a:noFill/>
-                          </a:ln>
-                          <a:solidFill>
-                            <a:prstClr val="black"/>
-                          </a:solidFill>
-                          <a:effectLst/>
-                          <a:uLnTx/>
-                          <a:uFillTx/>
-                          <a:latin typeface="Verdana" panose="020B0604030504040204" pitchFamily="34" charset="0"/>
-                          <a:ea typeface="+mn-ea"/>
-                          <a:cs typeface="+mn-cs"/>
-                        </a:rPr>
-                        <a:t>Atlas No SQL ,Oracle SQL , </a:t>
-                      </a:r>
-                      <a:r>
-                        <a:rPr kumimoji="0" lang="en-US" sz="700" b="0" i="0" u="none" strike="noStrike" kern="1200" cap="none" spc="0" normalizeH="0" baseline="0" dirty="0" err="1" smtClean="0">
+                        <a:rPr kumimoji="0" lang="en-US" sz="800" b="0" i="0" u="none" strike="noStrike" kern="1200" cap="none" spc="0" normalizeH="0" baseline="0" dirty="0" err="1">
                           <a:ln>
                             <a:noFill/>
                           </a:ln>
@@ -18104,7 +18139,7 @@
                         <a:t>Postgres</a:t>
                       </a:r>
                       <a:r>
-                        <a:rPr kumimoji="0" lang="en-US" sz="700" b="0" i="0" u="none" strike="noStrike" kern="1200" cap="none" spc="0" normalizeH="0" baseline="0" dirty="0" smtClean="0">
+                        <a:rPr kumimoji="0" lang="en-US" sz="800" b="0" i="0" u="none" strike="noStrike" kern="1200" cap="none" spc="0" normalizeH="0" baseline="0" dirty="0">
                           <a:ln>
                             <a:noFill/>
                           </a:ln>
@@ -18120,20 +18155,6 @@
                         </a:rPr>
                         <a:t> SQL</a:t>
                       </a:r>
-                      <a:endParaRPr kumimoji="0" lang="en-US" sz="700" b="0" i="0" u="none" strike="noStrike" kern="1200" cap="none" spc="0" normalizeH="0" baseline="0" dirty="0">
-                        <a:ln>
-                          <a:noFill/>
-                        </a:ln>
-                        <a:solidFill>
-                          <a:prstClr val="black"/>
-                        </a:solidFill>
-                        <a:effectLst/>
-                        <a:uLnTx/>
-                        <a:uFillTx/>
-                        <a:latin typeface="Verdana" panose="020B0604030504040204" pitchFamily="34" charset="0"/>
-                        <a:ea typeface="+mn-ea"/>
-                        <a:cs typeface="+mn-cs"/>
-                      </a:endParaRPr>
                     </a:p>
                   </a:txBody>
                   <a:tcPr/>
@@ -18144,7 +18165,7 @@
                   </a:ext>
                 </a:extLst>
               </a:tr>
-              <a:tr h="544162">
+              <a:tr h="266606">
                 <a:tc>
                   <a:txBody>
                     <a:bodyPr/>
@@ -18181,7 +18202,7 @@
                         <a:buNone/>
                       </a:pPr>
                       <a:r>
-                        <a:rPr kumimoji="0" lang="en-US" sz="700" u="none" strike="noStrike" kern="1200" cap="none" spc="0" normalizeH="0" baseline="0" dirty="0">
+                        <a:rPr kumimoji="0" lang="en-US" sz="800" u="none" strike="noStrike" kern="1200" cap="none" spc="0" normalizeH="0" baseline="0" dirty="0">
                           <a:ln>
                             <a:noFill/>
                           </a:ln>
@@ -18195,41 +18216,7 @@
                           <a:ea typeface="+mn-ea"/>
                           <a:cs typeface="+mn-cs"/>
                         </a:rPr>
-                        <a:t>HTML 5 &amp; CSS </a:t>
-                      </a:r>
-                      <a:r>
-                        <a:rPr kumimoji="0" lang="en-US" sz="700" u="none" strike="noStrike" kern="1200" cap="none" spc="0" normalizeH="0" baseline="0" dirty="0" smtClean="0">
-                          <a:ln>
-                            <a:noFill/>
-                          </a:ln>
-                          <a:solidFill>
-                            <a:schemeClr val="tx1"/>
-                          </a:solidFill>
-                          <a:effectLst/>
-                          <a:uLnTx/>
-                          <a:uFillTx/>
-                          <a:latin typeface="+mn-lt"/>
-                          <a:ea typeface="+mn-ea"/>
-                          <a:cs typeface="+mn-cs"/>
-                        </a:rPr>
-                        <a:t>,</a:t>
-                      </a:r>
-                      <a:r>
-                        <a:rPr kumimoji="0" lang="en-US" sz="700" u="none" strike="noStrike" kern="1200" cap="none" spc="0" normalizeH="0" baseline="0" dirty="0">
-                          <a:ln>
-                            <a:noFill/>
-                          </a:ln>
-                          <a:solidFill>
-                            <a:schemeClr val="tx1"/>
-                          </a:solidFill>
-                          <a:effectLst/>
-                          <a:uLnTx/>
-                          <a:uFillTx/>
-                          <a:latin typeface="+mn-lt"/>
-                          <a:ea typeface="+mn-ea"/>
-                          <a:cs typeface="+mn-cs"/>
-                        </a:rPr>
-                        <a:t>JavaScript, ES6 &amp; TypeScript</a:t>
+                        <a:t>HTML 5 &amp; CSS ,JavaScript, ES6 &amp; TypeScript</a:t>
                       </a:r>
                     </a:p>
                     <a:p>
@@ -18261,7 +18248,7 @@
                   </a:ext>
                 </a:extLst>
               </a:tr>
-              <a:tr h="318830">
+              <a:tr h="255844">
                 <a:tc>
                   <a:txBody>
                     <a:bodyPr/>
@@ -18308,39 +18295,8 @@
                           <a:ea typeface="+mn-ea"/>
                           <a:cs typeface="+mn-cs"/>
                         </a:rPr>
-                        <a:t>Git, Postman, Maven, </a:t>
+                        <a:t>Git, Postman, Maven, IDE, Thunder Client</a:t>
                       </a:r>
-                      <a:r>
-                        <a:rPr kumimoji="0" lang="en-US" sz="700" b="0" i="0" u="none" strike="noStrike" kern="1200" cap="none" spc="0" normalizeH="0" baseline="0" dirty="0" smtClean="0">
-                          <a:ln>
-                            <a:noFill/>
-                          </a:ln>
-                          <a:solidFill>
-                            <a:prstClr val="black"/>
-                          </a:solidFill>
-                          <a:effectLst/>
-                          <a:uLnTx/>
-                          <a:uFillTx/>
-                          <a:latin typeface="Verdana" panose="020B0604030504040204" pitchFamily="34" charset="0"/>
-                          <a:ea typeface="+mn-ea"/>
-                          <a:cs typeface="+mn-cs"/>
-                        </a:rPr>
-                        <a:t>IDE, Thunder Client</a:t>
-                      </a:r>
-                      <a:endParaRPr kumimoji="0" lang="en-US" sz="700" b="0" i="0" u="none" strike="noStrike" kern="1200" cap="none" spc="0" normalizeH="0" baseline="0" dirty="0">
-                        <a:ln>
-                          <a:noFill/>
-                        </a:ln>
-                        <a:solidFill>
-                          <a:prstClr val="black"/>
-                        </a:solidFill>
-                        <a:effectLst/>
-                        <a:uLnTx/>
-                        <a:uFillTx/>
-                        <a:latin typeface="Verdana" panose="020B0604030504040204" pitchFamily="34" charset="0"/>
-                        <a:ea typeface="+mn-ea"/>
-                        <a:cs typeface="+mn-cs"/>
-                      </a:endParaRPr>
                     </a:p>
                   </a:txBody>
                   <a:tcPr/>
@@ -18384,7 +18340,7 @@
                     <a:lstStyle/>
                     <a:p>
                       <a:r>
-                        <a:rPr kumimoji="0" lang="en-US" sz="700" b="0" i="0" u="none" strike="noStrike" kern="1200" cap="none" spc="0" normalizeH="0" baseline="0" dirty="0" smtClean="0">
+                        <a:rPr kumimoji="0" lang="en-US" sz="800" b="0" i="0" u="none" strike="noStrike" kern="1200" cap="none" spc="0" normalizeH="0" baseline="0" dirty="0">
                           <a:ln>
                             <a:noFill/>
                           </a:ln>
@@ -18398,58 +18354,7 @@
                           <a:ea typeface="+mn-ea"/>
                           <a:cs typeface="+mn-cs"/>
                         </a:rPr>
-                        <a:t>Leadership, </a:t>
-                      </a:r>
-                      <a:r>
-                        <a:rPr kumimoji="0" lang="en-US" sz="700" b="0" i="0" u="none" strike="noStrike" kern="1200" cap="none" spc="0" normalizeH="0" baseline="0" dirty="0">
-                          <a:ln>
-                            <a:noFill/>
-                          </a:ln>
-                          <a:solidFill>
-                            <a:prstClr val="black"/>
-                          </a:solidFill>
-                          <a:effectLst/>
-                          <a:uLnTx/>
-                          <a:uFillTx/>
-                          <a:latin typeface="Verdana" panose="020B0604030504040204" pitchFamily="34" charset="0"/>
-                          <a:ea typeface="+mn-ea"/>
-                          <a:cs typeface="+mn-cs"/>
-                        </a:rPr>
-                        <a:t>Team management. </a:t>
-                      </a:r>
-                      <a:r>
-                        <a:rPr kumimoji="0" lang="en-US" sz="700" b="0" i="0" u="none" strike="noStrike" kern="1200" cap="none" spc="0" normalizeH="0" baseline="0" dirty="0" smtClean="0">
-                          <a:ln>
-                            <a:noFill/>
-                          </a:ln>
-                          <a:solidFill>
-                            <a:prstClr val="black"/>
-                          </a:solidFill>
-                          <a:effectLst/>
-                          <a:uLnTx/>
-                          <a:uFillTx/>
-                          <a:latin typeface="Verdana" panose="020B0604030504040204" pitchFamily="34" charset="0"/>
-                          <a:ea typeface="+mn-ea"/>
-                          <a:cs typeface="+mn-cs"/>
-                        </a:rPr>
-                        <a:t>Quick </a:t>
-                      </a:r>
-                      <a:r>
-                        <a:rPr kumimoji="0" lang="en-US" sz="700" b="0" i="0" u="none" strike="noStrike" kern="1200" cap="none" spc="0" normalizeH="0" baseline="0" dirty="0">
-                          <a:ln>
-                            <a:noFill/>
-                          </a:ln>
-                          <a:solidFill>
-                            <a:prstClr val="black"/>
-                          </a:solidFill>
-                          <a:effectLst/>
-                          <a:uLnTx/>
-                          <a:uFillTx/>
-                          <a:latin typeface="Verdana" panose="020B0604030504040204" pitchFamily="34" charset="0"/>
-                          <a:ea typeface="+mn-ea"/>
-                          <a:cs typeface="+mn-cs"/>
-                        </a:rPr>
-                        <a:t>learning</a:t>
+                        <a:t>Leadership, Team management. Quick learning</a:t>
                       </a:r>
                     </a:p>
                   </a:txBody>
@@ -18497,10 +18402,9 @@
               </a:lnSpc>
             </a:pPr>
             <a:r>
-              <a:rPr lang="en-US" altLang="en-US" sz="1050" b="1" dirty="0" smtClean="0"/>
+              <a:rPr lang="en-US" altLang="en-US" sz="1050" b="1" dirty="0"/>
               <a:t>Multiplex Ticket Booking System</a:t>
             </a:r>
-            <a:endParaRPr lang="en-US" altLang="en-US" sz="1050" b="1" dirty="0"/>
           </a:p>
           <a:p>
             <a:pPr eaLnBrk="1" hangingPunct="1">
@@ -18509,39 +18413,39 @@
               </a:lnSpc>
             </a:pPr>
             <a:r>
-              <a:rPr lang="en-IN" altLang="en-US" sz="1050" dirty="0" smtClean="0"/>
+              <a:rPr lang="en-IN" altLang="en-US" sz="1050" dirty="0"/>
               <a:t>Created a Multiplex ticket booking application with </a:t>
             </a:r>
             <a:r>
-              <a:rPr lang="en-IN" altLang="en-US" sz="1050" b="1" dirty="0" smtClean="0"/>
+              <a:rPr lang="en-IN" altLang="en-US" sz="1050" b="1" dirty="0"/>
               <a:t>Spring boot </a:t>
             </a:r>
             <a:r>
-              <a:rPr lang="en-IN" altLang="en-US" sz="1050" dirty="0" smtClean="0"/>
+              <a:rPr lang="en-IN" altLang="en-US" sz="1050" dirty="0"/>
               <a:t>as backend along with </a:t>
             </a:r>
             <a:r>
-              <a:rPr lang="en-IN" altLang="en-US" sz="1050" b="1" dirty="0" smtClean="0"/>
+              <a:rPr lang="en-IN" altLang="en-US" sz="1050" b="1" dirty="0"/>
               <a:t>Postman</a:t>
             </a:r>
             <a:r>
-              <a:rPr lang="en-IN" altLang="en-US" sz="1050" dirty="0" smtClean="0"/>
+              <a:rPr lang="en-IN" altLang="en-US" sz="1050" dirty="0"/>
               <a:t> for testing</a:t>
             </a:r>
             <a:r>
-              <a:rPr lang="en-IN" altLang="en-US" sz="1050" b="1" dirty="0" smtClean="0"/>
+              <a:rPr lang="en-IN" altLang="en-US" sz="1050" b="1" dirty="0"/>
               <a:t>. React </a:t>
             </a:r>
             <a:r>
-              <a:rPr lang="en-IN" altLang="en-US" sz="1050" dirty="0" smtClean="0"/>
+              <a:rPr lang="en-IN" altLang="en-US" sz="1050" dirty="0"/>
               <a:t>as frontend, used </a:t>
             </a:r>
             <a:r>
-              <a:rPr lang="en-IN" altLang="en-US" sz="1050" b="1" dirty="0" smtClean="0"/>
+              <a:rPr lang="en-IN" altLang="en-US" sz="1050" b="1" dirty="0"/>
               <a:t>HTML 5,CSS ,JavaScript </a:t>
             </a:r>
             <a:r>
-              <a:rPr lang="en-IN" altLang="en-US" sz="1050" dirty="0" smtClean="0"/>
+              <a:rPr lang="en-IN" altLang="en-US" sz="1050" dirty="0"/>
               <a:t>and bootstrap for designing responsive web page</a:t>
             </a:r>
           </a:p>
@@ -18552,7 +18456,7 @@
               </a:lnSpc>
             </a:pPr>
             <a:r>
-              <a:rPr lang="en-IN" altLang="nl-NL" sz="1050" b="1" dirty="0" smtClean="0"/>
+              <a:rPr lang="en-IN" altLang="nl-NL" sz="1050" b="1" dirty="0"/>
               <a:t>Flight Booking System</a:t>
             </a:r>
           </a:p>
@@ -18563,58 +18467,186 @@
               </a:lnSpc>
             </a:pPr>
             <a:r>
-              <a:rPr lang="en-IN" altLang="nl-NL" sz="1050" dirty="0" smtClean="0"/>
+              <a:rPr lang="en-IN" altLang="nl-NL" sz="1050" dirty="0"/>
               <a:t>Created a Flight Booking System application using </a:t>
             </a:r>
             <a:r>
-              <a:rPr lang="en-IN" altLang="nl-NL" sz="1050" b="1" dirty="0" smtClean="0"/>
+              <a:rPr lang="en-IN" altLang="nl-NL" sz="1050" b="1" dirty="0"/>
               <a:t>Microservices </a:t>
             </a:r>
             <a:r>
-              <a:rPr lang="en-IN" altLang="nl-NL" sz="1050" dirty="0" smtClean="0"/>
+              <a:rPr lang="en-IN" altLang="nl-NL" sz="1050" dirty="0"/>
               <a:t>with</a:t>
             </a:r>
             <a:r>
-              <a:rPr lang="en-IN" altLang="nl-NL" sz="1050" b="1" dirty="0" smtClean="0"/>
+              <a:rPr lang="en-IN" altLang="nl-NL" sz="1050" b="1" dirty="0"/>
               <a:t> Spring Boot </a:t>
             </a:r>
             <a:r>
-              <a:rPr lang="en-IN" altLang="nl-NL" sz="1050" dirty="0" smtClean="0"/>
+              <a:rPr lang="en-IN" altLang="nl-NL" sz="1050" dirty="0"/>
               <a:t>And</a:t>
             </a:r>
             <a:r>
-              <a:rPr lang="en-IN" altLang="nl-NL" sz="1050" b="1" dirty="0" smtClean="0"/>
+              <a:rPr lang="en-IN" altLang="nl-NL" sz="1050" b="1" dirty="0"/>
               <a:t> MongoDb Atlas </a:t>
             </a:r>
             <a:r>
-              <a:rPr lang="en-IN" altLang="nl-NL" sz="1050" dirty="0" smtClean="0"/>
+              <a:rPr lang="en-IN" altLang="nl-NL" sz="1050" dirty="0"/>
               <a:t>as a Database along with </a:t>
             </a:r>
             <a:r>
-              <a:rPr lang="en-IN" altLang="nl-NL" sz="1050" b="1" dirty="0" smtClean="0"/>
+              <a:rPr lang="en-IN" altLang="nl-NL" sz="1050" b="1" dirty="0"/>
               <a:t>Postman </a:t>
             </a:r>
             <a:r>
-              <a:rPr lang="en-IN" altLang="nl-NL" sz="1050" dirty="0" smtClean="0"/>
+              <a:rPr lang="en-IN" altLang="nl-NL" sz="1050" dirty="0"/>
               <a:t>and</a:t>
             </a:r>
             <a:r>
-              <a:rPr lang="en-IN" altLang="nl-NL" sz="1050" b="1" dirty="0" smtClean="0"/>
+              <a:rPr lang="en-IN" altLang="nl-NL" sz="1050" b="1" dirty="0"/>
               <a:t> Thuder Client ,JWT .React </a:t>
             </a:r>
             <a:r>
-              <a:rPr lang="en-IN" altLang="nl-NL" sz="1050" dirty="0" smtClean="0"/>
+              <a:rPr lang="en-IN" altLang="nl-NL" sz="1050" dirty="0"/>
               <a:t>as frontend , used </a:t>
             </a:r>
             <a:r>
-              <a:rPr lang="en-IN" altLang="nl-NL" sz="1050" b="1" dirty="0" smtClean="0"/>
+              <a:rPr lang="en-IN" altLang="nl-NL" sz="1050" b="1" dirty="0"/>
               <a:t>HTML 5,CSS,JavaScript </a:t>
             </a:r>
             <a:r>
-              <a:rPr lang="en-IN" altLang="nl-NL" sz="1050" dirty="0" smtClean="0"/>
+              <a:rPr lang="en-IN" altLang="nl-NL" sz="1050" dirty="0"/>
               <a:t>and for designing responsive web page</a:t>
             </a:r>
-            <a:endParaRPr lang="en-IN" altLang="nl-NL" sz="1050" dirty="0"/>
+          </a:p>
+          <a:p>
+            <a:pPr eaLnBrk="1" hangingPunct="1">
+              <a:lnSpc>
+                <a:spcPct val="114000"/>
+              </a:lnSpc>
+            </a:pPr>
+            <a:r>
+              <a:rPr lang="en-US" altLang="nl-NL" b="1" dirty="0"/>
+              <a:t>AWS Certified Cloud Practitioner </a:t>
+            </a:r>
+          </a:p>
+          <a:p>
+            <a:pPr eaLnBrk="1" hangingPunct="1">
+              <a:lnSpc>
+                <a:spcPct val="114000"/>
+              </a:lnSpc>
+            </a:pPr>
+            <a:r>
+              <a:rPr lang="en-IN" altLang="nl-NL" b="1" dirty="0"/>
+              <a:t> </a:t>
+            </a:r>
+          </a:p>
+          <a:p>
+            <a:pPr eaLnBrk="1" hangingPunct="1">
+              <a:lnSpc>
+                <a:spcPct val="114000"/>
+              </a:lnSpc>
+            </a:pPr>
+            <a:endParaRPr lang="en-IN" altLang="en-US" dirty="0"/>
+          </a:p>
+          <a:p>
+            <a:pPr eaLnBrk="1" hangingPunct="1">
+              <a:lnSpc>
+                <a:spcPct val="114000"/>
+              </a:lnSpc>
+            </a:pPr>
+            <a:r>
+              <a:rPr lang="en-US" altLang="nl-NL" b="1" dirty="0"/>
+              <a:t>   </a:t>
+            </a:r>
+          </a:p>
+          <a:p>
+            <a:pPr eaLnBrk="1" hangingPunct="1">
+              <a:lnSpc>
+                <a:spcPct val="114000"/>
+              </a:lnSpc>
+            </a:pPr>
+            <a:endParaRPr lang="en-IN" altLang="en-US" dirty="0"/>
+          </a:p>
+          <a:p>
+            <a:pPr eaLnBrk="1" hangingPunct="1">
+              <a:lnSpc>
+                <a:spcPct val="114000"/>
+              </a:lnSpc>
+            </a:pPr>
+            <a:endParaRPr lang="en-IN" altLang="en-US" dirty="0"/>
+          </a:p>
+          <a:p>
+            <a:pPr eaLnBrk="1" hangingPunct="1">
+              <a:lnSpc>
+                <a:spcPct val="114000"/>
+              </a:lnSpc>
+            </a:pPr>
+            <a:endParaRPr lang="en-IN" altLang="en-US" dirty="0"/>
+          </a:p>
+          <a:p>
+            <a:pPr eaLnBrk="1" hangingPunct="1">
+              <a:lnSpc>
+                <a:spcPct val="114000"/>
+              </a:lnSpc>
+            </a:pPr>
+            <a:endParaRPr lang="en-IN" altLang="en-US" dirty="0"/>
+          </a:p>
+          <a:p>
+            <a:pPr eaLnBrk="1" hangingPunct="1">
+              <a:lnSpc>
+                <a:spcPct val="114000"/>
+              </a:lnSpc>
+            </a:pPr>
+            <a:endParaRPr lang="en-IN" altLang="en-US" dirty="0"/>
+          </a:p>
+          <a:p>
+            <a:pPr eaLnBrk="1" hangingPunct="1">
+              <a:lnSpc>
+                <a:spcPct val="114000"/>
+              </a:lnSpc>
+            </a:pPr>
+            <a:endParaRPr lang="en-IN" altLang="en-US" dirty="0"/>
+          </a:p>
+          <a:p>
+            <a:pPr eaLnBrk="1" hangingPunct="1">
+              <a:lnSpc>
+                <a:spcPct val="114000"/>
+              </a:lnSpc>
+            </a:pPr>
+            <a:endParaRPr lang="en-IN" altLang="en-US" dirty="0"/>
+          </a:p>
+          <a:p>
+            <a:pPr eaLnBrk="1" hangingPunct="1">
+              <a:lnSpc>
+                <a:spcPct val="114000"/>
+              </a:lnSpc>
+            </a:pPr>
+            <a:endParaRPr lang="en-IN" altLang="en-US" dirty="0"/>
+          </a:p>
+          <a:p>
+            <a:pPr eaLnBrk="1" hangingPunct="1">
+              <a:lnSpc>
+                <a:spcPct val="114000"/>
+              </a:lnSpc>
+            </a:pPr>
+            <a:endParaRPr lang="en-IN" altLang="en-US" dirty="0"/>
+          </a:p>
+          <a:p>
+            <a:pPr eaLnBrk="1" hangingPunct="1">
+              <a:lnSpc>
+                <a:spcPct val="114000"/>
+              </a:lnSpc>
+            </a:pPr>
+            <a:endParaRPr lang="en-IN" altLang="en-US" dirty="0"/>
+          </a:p>
+          <a:p>
+            <a:pPr eaLnBrk="1" hangingPunct="1">
+              <a:lnSpc>
+                <a:spcPct val="114000"/>
+              </a:lnSpc>
+            </a:pPr>
+            <a:endParaRPr lang="en-IN" altLang="en-US" dirty="0"/>
           </a:p>
           <a:p>
             <a:pPr eaLnBrk="1" hangingPunct="1">
@@ -18630,145 +18662,9 @@
                 <a:spcPct val="114000"/>
               </a:lnSpc>
             </a:pPr>
-            <a:r>
-              <a:rPr lang="en-IN" altLang="nl-NL" b="1" dirty="0" smtClean="0"/>
-              <a:t> </a:t>
-            </a:r>
-            <a:endParaRPr lang="en-IN" altLang="nl-NL" b="1" dirty="0"/>
-          </a:p>
-          <a:p>
-            <a:pPr eaLnBrk="1" hangingPunct="1">
-              <a:lnSpc>
-                <a:spcPct val="114000"/>
-              </a:lnSpc>
-            </a:pPr>
-            <a:endParaRPr lang="en-IN" altLang="en-US" dirty="0"/>
-          </a:p>
-          <a:p>
-            <a:pPr eaLnBrk="1" hangingPunct="1">
-              <a:lnSpc>
-                <a:spcPct val="114000"/>
-              </a:lnSpc>
-            </a:pPr>
-            <a:r>
-              <a:rPr lang="en-US" altLang="nl-NL" b="1" smtClean="0"/>
-              <a:t>   </a:t>
-            </a:r>
-            <a:endParaRPr lang="en-US" altLang="nl-NL" b="1" dirty="0"/>
-          </a:p>
-          <a:p>
-            <a:pPr eaLnBrk="1" hangingPunct="1">
-              <a:lnSpc>
-                <a:spcPct val="114000"/>
-              </a:lnSpc>
-            </a:pPr>
-            <a:endParaRPr lang="en-IN" altLang="en-US" dirty="0"/>
-          </a:p>
-          <a:p>
-            <a:pPr eaLnBrk="1" hangingPunct="1">
-              <a:lnSpc>
-                <a:spcPct val="114000"/>
-              </a:lnSpc>
-            </a:pPr>
-            <a:endParaRPr lang="en-IN" altLang="en-US" dirty="0"/>
-          </a:p>
-          <a:p>
-            <a:pPr eaLnBrk="1" hangingPunct="1">
-              <a:lnSpc>
-                <a:spcPct val="114000"/>
-              </a:lnSpc>
-            </a:pPr>
-            <a:endParaRPr lang="en-IN" altLang="en-US" dirty="0"/>
-          </a:p>
-          <a:p>
-            <a:pPr eaLnBrk="1" hangingPunct="1">
-              <a:lnSpc>
-                <a:spcPct val="114000"/>
-              </a:lnSpc>
-            </a:pPr>
-            <a:endParaRPr lang="en-IN" altLang="en-US" dirty="0"/>
-          </a:p>
-          <a:p>
-            <a:pPr eaLnBrk="1" hangingPunct="1">
-              <a:lnSpc>
-                <a:spcPct val="114000"/>
-              </a:lnSpc>
-            </a:pPr>
-            <a:endParaRPr lang="en-IN" altLang="en-US" dirty="0"/>
-          </a:p>
-          <a:p>
-            <a:pPr eaLnBrk="1" hangingPunct="1">
-              <a:lnSpc>
-                <a:spcPct val="114000"/>
-              </a:lnSpc>
-            </a:pPr>
-            <a:endParaRPr lang="en-IN" altLang="en-US" dirty="0"/>
-          </a:p>
-          <a:p>
-            <a:pPr eaLnBrk="1" hangingPunct="1">
-              <a:lnSpc>
-                <a:spcPct val="114000"/>
-              </a:lnSpc>
-            </a:pPr>
-            <a:endParaRPr lang="en-IN" altLang="en-US" dirty="0"/>
-          </a:p>
-          <a:p>
-            <a:pPr eaLnBrk="1" hangingPunct="1">
-              <a:lnSpc>
-                <a:spcPct val="114000"/>
-              </a:lnSpc>
-            </a:pPr>
-            <a:endParaRPr lang="en-IN" altLang="en-US" dirty="0"/>
-          </a:p>
-          <a:p>
-            <a:pPr eaLnBrk="1" hangingPunct="1">
-              <a:lnSpc>
-                <a:spcPct val="114000"/>
-              </a:lnSpc>
-            </a:pPr>
-            <a:endParaRPr lang="en-IN" altLang="en-US" dirty="0"/>
-          </a:p>
-          <a:p>
-            <a:pPr eaLnBrk="1" hangingPunct="1">
-              <a:lnSpc>
-                <a:spcPct val="114000"/>
-              </a:lnSpc>
-            </a:pPr>
-            <a:endParaRPr lang="en-IN" altLang="en-US" dirty="0"/>
-          </a:p>
-          <a:p>
-            <a:pPr eaLnBrk="1" hangingPunct="1">
-              <a:lnSpc>
-                <a:spcPct val="114000"/>
-              </a:lnSpc>
-            </a:pPr>
-            <a:endParaRPr lang="en-IN" altLang="en-US" dirty="0"/>
-          </a:p>
-          <a:p>
-            <a:pPr eaLnBrk="1" hangingPunct="1">
-              <a:lnSpc>
-                <a:spcPct val="114000"/>
-              </a:lnSpc>
-            </a:pPr>
-            <a:endParaRPr lang="en-US" altLang="nl-NL" b="1" dirty="0"/>
-          </a:p>
-          <a:p>
-            <a:pPr eaLnBrk="1" hangingPunct="1">
-              <a:lnSpc>
-                <a:spcPct val="114000"/>
-              </a:lnSpc>
-            </a:pPr>
-            <a:r>
-              <a:rPr lang="en-US" altLang="nl-NL" dirty="0"/>
-              <a:t/>
-            </a:r>
             <a:br>
               <a:rPr lang="en-US" altLang="nl-NL" dirty="0"/>
             </a:br>
-            <a:r>
-              <a:rPr lang="en-US" altLang="nl-NL" dirty="0"/>
-              <a:t/>
-            </a:r>
             <a:br>
               <a:rPr lang="en-US" altLang="nl-NL" dirty="0"/>
             </a:br>
@@ -18842,10 +18738,9 @@
           <a:p>
             <a:pPr eaLnBrk="1" hangingPunct="1"/>
             <a:r>
-              <a:rPr lang="nl-NL" altLang="nl-NL" dirty="0" smtClean="0"/>
+              <a:rPr lang="nl-NL" altLang="nl-NL" dirty="0"/>
               <a:t>Mumbai</a:t>
             </a:r>
-            <a:endParaRPr lang="nl-NL" altLang="nl-NL" dirty="0"/>
           </a:p>
           <a:p>
             <a:pPr eaLnBrk="1" hangingPunct="1"/>
@@ -18881,16 +18776,15 @@
           <a:p>
             <a:pPr eaLnBrk="1" hangingPunct="1"/>
             <a:r>
-              <a:rPr lang="nl-NL" altLang="nl-NL" dirty="0" smtClean="0">
+              <a:rPr lang="nl-NL" altLang="nl-NL" dirty="0">
                 <a:hlinkClick r:id="rId3"/>
               </a:rPr>
-              <a:t>Omkar-arjun.salunke@capgemini.com</a:t>
-            </a:r>
-            <a:r>
-              <a:rPr lang="nl-NL" altLang="nl-NL" dirty="0" smtClean="0"/>
+              <a:t>omkar-arjun.salunke@capgemini.com</a:t>
+            </a:r>
+            <a:r>
+              <a:rPr lang="nl-NL" altLang="nl-NL" dirty="0"/>
               <a:t> </a:t>
             </a:r>
-            <a:endParaRPr lang="nl-NL" altLang="nl-NL" dirty="0"/>
           </a:p>
         </p:txBody>
       </p:sp>
@@ -18923,13 +18817,8 @@
             <a:pPr eaLnBrk="1" hangingPunct="1"/>
             <a:r>
               <a:rPr lang="nl-NL" altLang="nl-NL" dirty="0"/>
-              <a:t>+91 </a:t>
-            </a:r>
-            <a:r>
-              <a:rPr lang="nl-NL" altLang="nl-NL" dirty="0" smtClean="0"/>
-              <a:t>7888182880</a:t>
-            </a:r>
-            <a:endParaRPr lang="nl-NL" altLang="nl-NL" dirty="0"/>
+              <a:t>+91 7888182880</a:t>
+            </a:r>
           </a:p>
         </p:txBody>
       </p:sp>
@@ -18971,39 +18860,19 @@
             </a:pPr>
             <a:r>
               <a:rPr lang="en-US" sz="1050" dirty="0"/>
-              <a:t>Hands on experience in </a:t>
-            </a:r>
-            <a:r>
-              <a:rPr lang="en-US" sz="1050" dirty="0" smtClean="0"/>
-              <a:t> </a:t>
+              <a:t>Hands on experience in  </a:t>
             </a:r>
             <a:r>
               <a:rPr lang="en-US" sz="1050" b="1" dirty="0"/>
-              <a:t>M</a:t>
-            </a:r>
-            <a:r>
-              <a:rPr lang="en-US" sz="1050" b="1" dirty="0" smtClean="0"/>
-              <a:t>icroservices</a:t>
-            </a:r>
-            <a:r>
-              <a:rPr lang="en-US" sz="1050" dirty="0" smtClean="0"/>
-              <a:t> </a:t>
+              <a:t>Microservices</a:t>
             </a:r>
             <a:r>
               <a:rPr lang="en-US" sz="1050" dirty="0"/>
-              <a:t>with </a:t>
-            </a:r>
-            <a:r>
-              <a:rPr lang="en-US" sz="1050" b="1" dirty="0" smtClean="0"/>
-              <a:t>Spring boot and spring Cloud API Gateway,  SQL</a:t>
+              <a:t> with </a:t>
             </a:r>
             <a:r>
               <a:rPr lang="en-US" sz="1050" b="1" dirty="0"/>
-              <a:t>, MongoDb Atlas </a:t>
-            </a:r>
-            <a:r>
-              <a:rPr lang="en-US" sz="1050" b="1" dirty="0" smtClean="0"/>
-              <a:t>, JPA , Junit ,JEST, Postman ,HTML 5,CSS,JavaScript,React</a:t>
+              <a:t>Spring boot and spring Cloud API Gateway,  SQL, MongoDb Atlas , JPA , Junit ,JEST, Postman ,HTML 5,CSS,JavaScript,React</a:t>
             </a:r>
           </a:p>
           <a:p>
@@ -19012,11 +18881,11 @@
               <a:buChar char="•"/>
             </a:pPr>
             <a:r>
-              <a:rPr lang="en-US" sz="1050" b="1" dirty="0" smtClean="0"/>
+              <a:rPr lang="en-US" sz="1050" b="1" dirty="0"/>
               <a:t> </a:t>
             </a:r>
             <a:r>
-              <a:rPr lang="en-US" altLang="en-US" sz="1050" dirty="0" smtClean="0"/>
+              <a:rPr lang="en-US" altLang="en-US" sz="1050" dirty="0"/>
               <a:t>Proficient </a:t>
             </a:r>
             <a:r>
@@ -19028,34 +18897,17 @@
               <a:t> with working knowledge on </a:t>
             </a:r>
             <a:r>
-              <a:rPr lang="en-US" altLang="en-US" sz="1050" b="1" dirty="0" smtClean="0"/>
+              <a:rPr lang="en-US" altLang="en-US" sz="1050" b="1" dirty="0"/>
               <a:t>React JS</a:t>
             </a:r>
             <a:r>
-              <a:rPr lang="en-US" altLang="en-US" sz="1050" dirty="0" smtClean="0"/>
-              <a:t>(Hooks</a:t>
-            </a:r>
-            <a:r>
               <a:rPr lang="en-US" altLang="en-US" sz="1050" dirty="0"/>
-              <a:t>, </a:t>
-            </a:r>
-            <a:r>
-              <a:rPr lang="en-US" altLang="en-US" sz="1050" dirty="0" smtClean="0"/>
-              <a:t>Redux , React </a:t>
-            </a:r>
-            <a:r>
-              <a:rPr lang="en-US" altLang="en-US" sz="1050" dirty="0"/>
-              <a:t>r</a:t>
-            </a:r>
-            <a:r>
-              <a:rPr lang="en-US" altLang="en-US" sz="1050" dirty="0" smtClean="0"/>
-              <a:t>outer).Knowledge on </a:t>
-            </a:r>
-            <a:r>
-              <a:rPr lang="en-US" altLang="en-US" sz="1050" b="1" dirty="0" smtClean="0"/>
+              <a:t>(Hooks, Redux , React router).Knowledge on </a:t>
+            </a:r>
+            <a:r>
+              <a:rPr lang="en-US" altLang="en-US" sz="1050" b="1" dirty="0"/>
               <a:t>Unit testing of React App using JEST</a:t>
             </a:r>
-            <a:endParaRPr lang="en-US" altLang="en-US" sz="1050" b="1" dirty="0"/>
           </a:p>
           <a:p>
             <a:pPr marL="171450" indent="-171450">
@@ -19063,20 +18915,8 @@
               <a:buChar char="•"/>
             </a:pPr>
             <a:r>
-              <a:rPr lang="en-US" sz="1050" dirty="0" smtClean="0"/>
-              <a:t>Experience </a:t>
-            </a:r>
-            <a:r>
               <a:rPr lang="en-US" sz="1050" dirty="0"/>
-              <a:t>in creating documentation with </a:t>
-            </a:r>
-            <a:r>
-              <a:rPr lang="en-US" sz="1050" dirty="0" smtClean="0"/>
-              <a:t> </a:t>
-            </a:r>
-            <a:r>
-              <a:rPr lang="en-US" sz="1050" dirty="0"/>
-              <a:t>swagger and in </a:t>
+              <a:t>Experience in creating documentation with  swagger and in </a:t>
             </a:r>
             <a:r>
               <a:rPr lang="en-US" sz="1050" b="1" dirty="0"/>
@@ -19088,11 +18928,7 @@
             </a:r>
             <a:r>
               <a:rPr lang="en-US" sz="1050" b="1" dirty="0"/>
-              <a:t>code quality compliance using Sonar </a:t>
-            </a:r>
-            <a:r>
-              <a:rPr lang="en-US" sz="1050" b="1" dirty="0" smtClean="0"/>
-              <a:t>cube.</a:t>
+              <a:t>code quality compliance using Sonar cube.</a:t>
             </a:r>
           </a:p>
           <a:p>
@@ -19117,7 +18953,7 @@
               <a:t> </a:t>
             </a:r>
             <a:r>
-              <a:rPr lang="en-US" altLang="en-US" sz="1050" b="1" dirty="0" smtClean="0"/>
+              <a:rPr lang="en-US" altLang="en-US" sz="1050" b="1" dirty="0"/>
               <a:t>, Eureka Server  </a:t>
             </a:r>
             <a:r>
@@ -19130,10 +18966,6 @@
             </a:r>
           </a:p>
           <a:p>
-            <a:r>
-              <a:rPr lang="en-US" altLang="nl-NL" dirty="0"/>
-              <a:t/>
-            </a:r>
             <a:br>
               <a:rPr lang="en-US" altLang="nl-NL" dirty="0"/>
             </a:br>
@@ -19171,7 +19003,7 @@
         </p:blipFill>
         <p:spPr bwMode="auto">
           <a:xfrm>
-            <a:off x="4460946" y="6211683"/>
+            <a:off x="4497107" y="6213128"/>
             <a:ext cx="471487" cy="471488"/>
           </a:xfrm>
           <a:prstGeom prst="rect">
@@ -19596,7 +19428,7 @@
               <a:defRPr/>
             </a:pPr>
             <a:r>
-              <a:rPr lang="en-US" altLang="nl-NL" sz="1000" dirty="0" smtClean="0">
+              <a:rPr lang="en-US" altLang="nl-NL" sz="1000" dirty="0">
                 <a:solidFill>
                   <a:prstClr val="black"/>
                 </a:solidFill>
@@ -19605,7 +19437,7 @@
               <a:t>Mechanical Engineering</a:t>
             </a:r>
             <a:r>
-              <a:rPr kumimoji="0" lang="en-US" altLang="nl-NL" sz="1000" b="0" i="0" u="none" strike="noStrike" kern="1200" cap="none" spc="0" normalizeH="0" baseline="0" noProof="0" dirty="0" smtClean="0">
+              <a:rPr kumimoji="0" lang="en-US" altLang="nl-NL" sz="1000" b="0" i="0" u="none" strike="noStrike" kern="1200" cap="none" spc="0" normalizeH="0" baseline="0" noProof="0" dirty="0">
                 <a:ln>
                   <a:noFill/>
                 </a:ln>
@@ -19621,20 +19453,6 @@
               </a:rPr>
               <a:t> :2018-2021</a:t>
             </a:r>
-            <a:endParaRPr kumimoji="0" lang="en-US" altLang="nl-NL" sz="1000" b="0" i="0" u="none" strike="noStrike" kern="1200" cap="none" spc="0" normalizeH="0" baseline="0" noProof="0" dirty="0">
-              <a:ln>
-                <a:noFill/>
-              </a:ln>
-              <a:solidFill>
-                <a:prstClr val="black"/>
-              </a:solidFill>
-              <a:effectLst/>
-              <a:uLnTx/>
-              <a:uFillTx/>
-              <a:latin typeface="Verdana" panose="020B0604030504040204" pitchFamily="34" charset="0"/>
-              <a:ea typeface="+mn-ea"/>
-              <a:cs typeface="+mn-cs"/>
-            </a:endParaRPr>
           </a:p>
         </p:txBody>
       </p:sp>
@@ -19762,10 +19580,9 @@
           <a:lstStyle/>
           <a:p>
             <a:r>
-              <a:rPr lang="en-IN" dirty="0" smtClean="0"/>
+              <a:rPr lang="en-IN" dirty="0"/>
               <a:t>SALUNKE OMKAR ARJUN</a:t>
             </a:r>
-            <a:endParaRPr lang="en-IN" dirty="0"/>
           </a:p>
         </p:txBody>
       </p:sp>
@@ -19779,13 +19596,6 @@
   <p:clrMapOvr>
     <a:masterClrMapping/>
   </p:clrMapOvr>
-  <p:timing>
-    <p:tnLst>
-      <p:par>
-        <p:cTn id="1" dur="indefinite" restart="never" nodeType="tmRoot"/>
-      </p:par>
-    </p:tnLst>
-  </p:timing>
 </p:sld>
 </file>
 
@@ -20908,21 +20718,6 @@
 </file>
 
 <file path=customXml/item1.xml><?xml version="1.0" encoding="utf-8"?>
-<?mso-contentType ?>
-<FormTemplates xmlns="http://schemas.microsoft.com/sharepoint/v3/contenttype/forms">
-  <Display>DocumentLibraryForm</Display>
-  <Edit>DocumentLibraryForm</Edit>
-  <New>DocumentLibraryForm</New>
-</FormTemplates>
-</file>
-
-<file path=customXml/item2.xml><?xml version="1.0" encoding="utf-8"?>
-<p:properties xmlns:p="http://schemas.microsoft.com/office/2006/metadata/properties" xmlns:xsi="http://www.w3.org/2001/XMLSchema-instance" xmlns:pc="http://schemas.microsoft.com/office/infopath/2007/PartnerControls">
-  <documentManagement/>
-</p:properties>
-</file>
-
-<file path=customXml/item3.xml><?xml version="1.0" encoding="utf-8"?>
 <ct:contentTypeSchema xmlns:ct="http://schemas.microsoft.com/office/2006/metadata/contentType" xmlns:ma="http://schemas.microsoft.com/office/2006/metadata/properties/metaAttributes" ct:_="" ma:_="" ma:contentTypeName="Document" ma:contentTypeID="0x010100C33155D503BFC942A57BA969F1C4EED5" ma:contentTypeVersion="13" ma:contentTypeDescription="Create a new document." ma:contentTypeScope="" ma:versionID="c80b1f7ea370ae896a5b6e523a0cf15c">
   <xsd:schema xmlns:xsd="http://www.w3.org/2001/XMLSchema" xmlns:xs="http://www.w3.org/2001/XMLSchema" xmlns:p="http://schemas.microsoft.com/office/2006/metadata/properties" xmlns:ns3="25289c4b-8fd1-4155-b56f-82d6fa13afd3" xmlns:ns4="c43bfbf7-b5f8-4451-8464-ef79a2e28ca1" targetNamespace="http://schemas.microsoft.com/office/2006/metadata/properties" ma:root="true" ma:fieldsID="376fee7e205f44b9967171b065daf661" ns3:_="" ns4:_="">
     <xsd:import namespace="25289c4b-8fd1-4155-b56f-82d6fa13afd3"/>
@@ -21145,10 +20940,36 @@
 </ct:contentTypeSchema>
 </file>
 
+<file path=customXml/item2.xml><?xml version="1.0" encoding="utf-8"?>
+<p:properties xmlns:p="http://schemas.microsoft.com/office/2006/metadata/properties" xmlns:xsi="http://www.w3.org/2001/XMLSchema-instance" xmlns:pc="http://schemas.microsoft.com/office/infopath/2007/PartnerControls">
+  <documentManagement/>
+</p:properties>
+</file>
+
+<file path=customXml/item3.xml><?xml version="1.0" encoding="utf-8"?>
+<?mso-contentType ?>
+<FormTemplates xmlns="http://schemas.microsoft.com/sharepoint/v3/contenttype/forms">
+  <Display>DocumentLibraryForm</Display>
+  <Edit>DocumentLibraryForm</Edit>
+  <New>DocumentLibraryForm</New>
+</FormTemplates>
+</file>
+
 <file path=customXml/itemProps1.xml><?xml version="1.0" encoding="utf-8"?>
-<ds:datastoreItem xmlns:ds="http://schemas.openxmlformats.org/officeDocument/2006/customXml" ds:itemID="{C79773B3-BEED-4422-883D-E6632C7C7120}">
+<ds:datastoreItem xmlns:ds="http://schemas.openxmlformats.org/officeDocument/2006/customXml" ds:itemID="{E53A1F87-ED7F-4CA8-8D06-B3888A424EC9}">
   <ds:schemaRefs>
-    <ds:schemaRef ds:uri="http://schemas.microsoft.com/sharepoint/v3/contenttype/forms"/>
+    <ds:schemaRef ds:uri="http://schemas.microsoft.com/office/2006/metadata/contentType"/>
+    <ds:schemaRef ds:uri="http://schemas.microsoft.com/office/2006/metadata/properties/metaAttributes"/>
+    <ds:schemaRef ds:uri="http://www.w3.org/2001/XMLSchema"/>
+    <ds:schemaRef ds:uri="http://schemas.microsoft.com/office/2006/metadata/properties"/>
+    <ds:schemaRef ds:uri="25289c4b-8fd1-4155-b56f-82d6fa13afd3"/>
+    <ds:schemaRef ds:uri="c43bfbf7-b5f8-4451-8464-ef79a2e28ca1"/>
+    <ds:schemaRef ds:uri="http://schemas.microsoft.com/office/2006/documentManagement/types"/>
+    <ds:schemaRef ds:uri="http://schemas.microsoft.com/office/infopath/2007/PartnerControls"/>
+    <ds:schemaRef ds:uri="http://schemas.openxmlformats.org/package/2006/metadata/core-properties"/>
+    <ds:schemaRef ds:uri="http://purl.org/dc/elements/1.1/"/>
+    <ds:schemaRef ds:uri="http://purl.org/dc/terms/"/>
+    <ds:schemaRef ds:uri="http://schemas.microsoft.com/internal/obd"/>
   </ds:schemaRefs>
 </ds:datastoreItem>
 </file>
@@ -21171,20 +20992,9 @@
 </file>
 
 <file path=customXml/itemProps3.xml><?xml version="1.0" encoding="utf-8"?>
-<ds:datastoreItem xmlns:ds="http://schemas.openxmlformats.org/officeDocument/2006/customXml" ds:itemID="{E53A1F87-ED7F-4CA8-8D06-B3888A424EC9}">
+<ds:datastoreItem xmlns:ds="http://schemas.openxmlformats.org/officeDocument/2006/customXml" ds:itemID="{C79773B3-BEED-4422-883D-E6632C7C7120}">
   <ds:schemaRefs>
-    <ds:schemaRef ds:uri="http://schemas.microsoft.com/office/2006/metadata/contentType"/>
-    <ds:schemaRef ds:uri="http://schemas.microsoft.com/office/2006/metadata/properties/metaAttributes"/>
-    <ds:schemaRef ds:uri="http://www.w3.org/2001/XMLSchema"/>
-    <ds:schemaRef ds:uri="http://schemas.microsoft.com/office/2006/metadata/properties"/>
-    <ds:schemaRef ds:uri="25289c4b-8fd1-4155-b56f-82d6fa13afd3"/>
-    <ds:schemaRef ds:uri="c43bfbf7-b5f8-4451-8464-ef79a2e28ca1"/>
-    <ds:schemaRef ds:uri="http://schemas.microsoft.com/office/2006/documentManagement/types"/>
-    <ds:schemaRef ds:uri="http://schemas.microsoft.com/office/infopath/2007/PartnerControls"/>
-    <ds:schemaRef ds:uri="http://schemas.openxmlformats.org/package/2006/metadata/core-properties"/>
-    <ds:schemaRef ds:uri="http://purl.org/dc/elements/1.1/"/>
-    <ds:schemaRef ds:uri="http://purl.org/dc/terms/"/>
-    <ds:schemaRef ds:uri="http://schemas.microsoft.com/internal/obd"/>
+    <ds:schemaRef ds:uri="http://schemas.microsoft.com/sharepoint/v3/contenttype/forms"/>
   </ds:schemaRefs>
 </ds:datastoreItem>
 </file>